--- a/ppt 16-9/1231.接待耶稣有平.pptx
+++ b/ppt 16-9/1231.接待耶稣有平.pptx
@@ -129,7 +129,7 @@
           <p:cNvPr id="2" name="标题 1">
             <a:extLst>
               <a:ext uri="{FF2B5EF4-FFF2-40B4-BE49-F238E27FC236}">
-                <a16:creationId xmlns:a16="http://schemas.microsoft.com/office/drawing/2014/main" id="{998BD1B2-99F1-4893-0DB3-E6B3E2236868}"/>
+                <a16:creationId xmlns:a16="http://schemas.microsoft.com/office/drawing/2014/main" id="{CB2682CC-F0A0-081E-446D-D57C97F29D64}"/>
               </a:ext>
             </a:extLst>
           </p:cNvPr>
@@ -166,7 +166,7 @@
           <p:cNvPr id="3" name="副标题 2">
             <a:extLst>
               <a:ext uri="{FF2B5EF4-FFF2-40B4-BE49-F238E27FC236}">
-                <a16:creationId xmlns:a16="http://schemas.microsoft.com/office/drawing/2014/main" id="{F4A00E0D-3105-686C-677B-2CB75002AC39}"/>
+                <a16:creationId xmlns:a16="http://schemas.microsoft.com/office/drawing/2014/main" id="{02F79A59-6441-8E7D-2045-92534440AF0F}"/>
               </a:ext>
             </a:extLst>
           </p:cNvPr>
@@ -236,7 +236,7 @@
           <p:cNvPr id="4" name="日期占位符 3">
             <a:extLst>
               <a:ext uri="{FF2B5EF4-FFF2-40B4-BE49-F238E27FC236}">
-                <a16:creationId xmlns:a16="http://schemas.microsoft.com/office/drawing/2014/main" id="{154AD4A7-D54D-79B6-0B91-F8E9E79DD857}"/>
+                <a16:creationId xmlns:a16="http://schemas.microsoft.com/office/drawing/2014/main" id="{C5E00CA3-E268-7138-299C-EFFC69A40DB8}"/>
               </a:ext>
             </a:extLst>
           </p:cNvPr>
@@ -252,7 +252,7 @@
           <a:bodyPr/>
           <a:lstStyle/>
           <a:p>
-            <a:fld id="{E70EED37-09A6-409F-B072-F56DF64BF2C9}" type="datetimeFigureOut">
+            <a:fld id="{11BC4D63-A47F-46AF-9072-8D4F72B0E845}" type="datetimeFigureOut">
               <a:rPr lang="zh-CN" altLang="en-US" smtClean="0"/>
               <a:t>2024/3/10</a:t>
             </a:fld>
@@ -265,7 +265,7 @@
           <p:cNvPr id="5" name="页脚占位符 4">
             <a:extLst>
               <a:ext uri="{FF2B5EF4-FFF2-40B4-BE49-F238E27FC236}">
-                <a16:creationId xmlns:a16="http://schemas.microsoft.com/office/drawing/2014/main" id="{CF9B83F1-B0FB-1092-57BB-F793BAFFC2DE}"/>
+                <a16:creationId xmlns:a16="http://schemas.microsoft.com/office/drawing/2014/main" id="{13A8EEF4-1BB5-33B0-5A81-9B6B3CAAF5B4}"/>
               </a:ext>
             </a:extLst>
           </p:cNvPr>
@@ -290,7 +290,7 @@
           <p:cNvPr id="6" name="灯片编号占位符 5">
             <a:extLst>
               <a:ext uri="{FF2B5EF4-FFF2-40B4-BE49-F238E27FC236}">
-                <a16:creationId xmlns:a16="http://schemas.microsoft.com/office/drawing/2014/main" id="{750CF218-2EBF-37C5-72D6-CAAE720712B6}"/>
+                <a16:creationId xmlns:a16="http://schemas.microsoft.com/office/drawing/2014/main" id="{9781EF86-761B-8003-46D2-AC9E01A8085E}"/>
               </a:ext>
             </a:extLst>
           </p:cNvPr>
@@ -306,7 +306,7 @@
           <a:bodyPr/>
           <a:lstStyle/>
           <a:p>
-            <a:fld id="{06C31D3C-617B-434D-8DEA-F194C09ABF54}" type="slidenum">
+            <a:fld id="{310DBDC9-BAF7-44F7-8B65-C82235FB88B4}" type="slidenum">
               <a:rPr lang="zh-CN" altLang="en-US" smtClean="0"/>
               <a:t>‹#›</a:t>
             </a:fld>
@@ -317,7 +317,7 @@
     </p:spTree>
     <p:extLst>
       <p:ext uri="{BB962C8B-B14F-4D97-AF65-F5344CB8AC3E}">
-        <p14:creationId xmlns:p14="http://schemas.microsoft.com/office/powerpoint/2010/main" val="2366787961"/>
+        <p14:creationId xmlns:p14="http://schemas.microsoft.com/office/powerpoint/2010/main" val="3219737690"/>
       </p:ext>
     </p:extLst>
   </p:cSld>
@@ -349,7 +349,7 @@
           <p:cNvPr id="2" name="标题 1">
             <a:extLst>
               <a:ext uri="{FF2B5EF4-FFF2-40B4-BE49-F238E27FC236}">
-                <a16:creationId xmlns:a16="http://schemas.microsoft.com/office/drawing/2014/main" id="{E9589084-E9FC-B876-831A-778F416A2EB8}"/>
+                <a16:creationId xmlns:a16="http://schemas.microsoft.com/office/drawing/2014/main" id="{8725D12B-CD7D-CBD6-D2EE-0DE272D9EC8F}"/>
               </a:ext>
             </a:extLst>
           </p:cNvPr>
@@ -377,7 +377,7 @@
           <p:cNvPr id="3" name="竖排文字占位符 2">
             <a:extLst>
               <a:ext uri="{FF2B5EF4-FFF2-40B4-BE49-F238E27FC236}">
-                <a16:creationId xmlns:a16="http://schemas.microsoft.com/office/drawing/2014/main" id="{14937417-6D72-05D7-C795-4A7050934A3A}"/>
+                <a16:creationId xmlns:a16="http://schemas.microsoft.com/office/drawing/2014/main" id="{28F5E411-48B8-09E2-B250-22953B959AAB}"/>
               </a:ext>
             </a:extLst>
           </p:cNvPr>
@@ -434,7 +434,7 @@
           <p:cNvPr id="4" name="日期占位符 3">
             <a:extLst>
               <a:ext uri="{FF2B5EF4-FFF2-40B4-BE49-F238E27FC236}">
-                <a16:creationId xmlns:a16="http://schemas.microsoft.com/office/drawing/2014/main" id="{D0491982-2514-96A9-C951-53EE980B4D2F}"/>
+                <a16:creationId xmlns:a16="http://schemas.microsoft.com/office/drawing/2014/main" id="{D5942052-4C5F-D3B5-8041-93FDCD7B7141}"/>
               </a:ext>
             </a:extLst>
           </p:cNvPr>
@@ -450,7 +450,7 @@
           <a:bodyPr/>
           <a:lstStyle/>
           <a:p>
-            <a:fld id="{E70EED37-09A6-409F-B072-F56DF64BF2C9}" type="datetimeFigureOut">
+            <a:fld id="{11BC4D63-A47F-46AF-9072-8D4F72B0E845}" type="datetimeFigureOut">
               <a:rPr lang="zh-CN" altLang="en-US" smtClean="0"/>
               <a:t>2024/3/10</a:t>
             </a:fld>
@@ -463,7 +463,7 @@
           <p:cNvPr id="5" name="页脚占位符 4">
             <a:extLst>
               <a:ext uri="{FF2B5EF4-FFF2-40B4-BE49-F238E27FC236}">
-                <a16:creationId xmlns:a16="http://schemas.microsoft.com/office/drawing/2014/main" id="{869E7D65-60AB-7C42-BBAE-44137C2BEFD5}"/>
+                <a16:creationId xmlns:a16="http://schemas.microsoft.com/office/drawing/2014/main" id="{FA5E1D6A-73EF-DE74-30CA-EBC1ABD1408F}"/>
               </a:ext>
             </a:extLst>
           </p:cNvPr>
@@ -488,7 +488,7 @@
           <p:cNvPr id="6" name="灯片编号占位符 5">
             <a:extLst>
               <a:ext uri="{FF2B5EF4-FFF2-40B4-BE49-F238E27FC236}">
-                <a16:creationId xmlns:a16="http://schemas.microsoft.com/office/drawing/2014/main" id="{9CD0FD57-55B1-6CB6-49BE-1537DBC34A86}"/>
+                <a16:creationId xmlns:a16="http://schemas.microsoft.com/office/drawing/2014/main" id="{120E25D3-9002-7B8A-F5C7-1A7FD3200EE1}"/>
               </a:ext>
             </a:extLst>
           </p:cNvPr>
@@ -504,7 +504,7 @@
           <a:bodyPr/>
           <a:lstStyle/>
           <a:p>
-            <a:fld id="{06C31D3C-617B-434D-8DEA-F194C09ABF54}" type="slidenum">
+            <a:fld id="{310DBDC9-BAF7-44F7-8B65-C82235FB88B4}" type="slidenum">
               <a:rPr lang="zh-CN" altLang="en-US" smtClean="0"/>
               <a:t>‹#›</a:t>
             </a:fld>
@@ -515,7 +515,7 @@
     </p:spTree>
     <p:extLst>
       <p:ext uri="{BB962C8B-B14F-4D97-AF65-F5344CB8AC3E}">
-        <p14:creationId xmlns:p14="http://schemas.microsoft.com/office/powerpoint/2010/main" val="2145406045"/>
+        <p14:creationId xmlns:p14="http://schemas.microsoft.com/office/powerpoint/2010/main" val="4080862297"/>
       </p:ext>
     </p:extLst>
   </p:cSld>
@@ -547,7 +547,7 @@
           <p:cNvPr id="2" name="竖排标题 1">
             <a:extLst>
               <a:ext uri="{FF2B5EF4-FFF2-40B4-BE49-F238E27FC236}">
-                <a16:creationId xmlns:a16="http://schemas.microsoft.com/office/drawing/2014/main" id="{3FAF34CA-2801-897E-4973-D3041DD996FE}"/>
+                <a16:creationId xmlns:a16="http://schemas.microsoft.com/office/drawing/2014/main" id="{B137263B-0D9E-3EBC-51CF-B20A9B340392}"/>
               </a:ext>
             </a:extLst>
           </p:cNvPr>
@@ -580,7 +580,7 @@
           <p:cNvPr id="3" name="竖排文字占位符 2">
             <a:extLst>
               <a:ext uri="{FF2B5EF4-FFF2-40B4-BE49-F238E27FC236}">
-                <a16:creationId xmlns:a16="http://schemas.microsoft.com/office/drawing/2014/main" id="{10624D32-92F8-FCA1-A194-D5CDA4C80B44}"/>
+                <a16:creationId xmlns:a16="http://schemas.microsoft.com/office/drawing/2014/main" id="{6FEF7468-0DCE-E3EA-AA58-D30FFE33C821}"/>
               </a:ext>
             </a:extLst>
           </p:cNvPr>
@@ -642,7 +642,7 @@
           <p:cNvPr id="4" name="日期占位符 3">
             <a:extLst>
               <a:ext uri="{FF2B5EF4-FFF2-40B4-BE49-F238E27FC236}">
-                <a16:creationId xmlns:a16="http://schemas.microsoft.com/office/drawing/2014/main" id="{FE3E7C42-7A97-9404-CFB2-F6CEFA5DC9FA}"/>
+                <a16:creationId xmlns:a16="http://schemas.microsoft.com/office/drawing/2014/main" id="{B79E75AE-D633-49AD-8A0E-0DB2FA3774CE}"/>
               </a:ext>
             </a:extLst>
           </p:cNvPr>
@@ -658,7 +658,7 @@
           <a:bodyPr/>
           <a:lstStyle/>
           <a:p>
-            <a:fld id="{E70EED37-09A6-409F-B072-F56DF64BF2C9}" type="datetimeFigureOut">
+            <a:fld id="{11BC4D63-A47F-46AF-9072-8D4F72B0E845}" type="datetimeFigureOut">
               <a:rPr lang="zh-CN" altLang="en-US" smtClean="0"/>
               <a:t>2024/3/10</a:t>
             </a:fld>
@@ -671,7 +671,7 @@
           <p:cNvPr id="5" name="页脚占位符 4">
             <a:extLst>
               <a:ext uri="{FF2B5EF4-FFF2-40B4-BE49-F238E27FC236}">
-                <a16:creationId xmlns:a16="http://schemas.microsoft.com/office/drawing/2014/main" id="{8B20FF58-1482-9427-7039-5A4629C78BEA}"/>
+                <a16:creationId xmlns:a16="http://schemas.microsoft.com/office/drawing/2014/main" id="{804C70C6-8431-2ADC-58BD-7D579EABF080}"/>
               </a:ext>
             </a:extLst>
           </p:cNvPr>
@@ -696,7 +696,7 @@
           <p:cNvPr id="6" name="灯片编号占位符 5">
             <a:extLst>
               <a:ext uri="{FF2B5EF4-FFF2-40B4-BE49-F238E27FC236}">
-                <a16:creationId xmlns:a16="http://schemas.microsoft.com/office/drawing/2014/main" id="{208B18E5-8AA4-5332-1B24-431ED8FC0BB5}"/>
+                <a16:creationId xmlns:a16="http://schemas.microsoft.com/office/drawing/2014/main" id="{8EDC958C-A60F-2566-5E59-5B896AF6FD7F}"/>
               </a:ext>
             </a:extLst>
           </p:cNvPr>
@@ -712,7 +712,7 @@
           <a:bodyPr/>
           <a:lstStyle/>
           <a:p>
-            <a:fld id="{06C31D3C-617B-434D-8DEA-F194C09ABF54}" type="slidenum">
+            <a:fld id="{310DBDC9-BAF7-44F7-8B65-C82235FB88B4}" type="slidenum">
               <a:rPr lang="zh-CN" altLang="en-US" smtClean="0"/>
               <a:t>‹#›</a:t>
             </a:fld>
@@ -723,7 +723,7 @@
     </p:spTree>
     <p:extLst>
       <p:ext uri="{BB962C8B-B14F-4D97-AF65-F5344CB8AC3E}">
-        <p14:creationId xmlns:p14="http://schemas.microsoft.com/office/powerpoint/2010/main" val="3420587715"/>
+        <p14:creationId xmlns:p14="http://schemas.microsoft.com/office/powerpoint/2010/main" val="2512746156"/>
       </p:ext>
     </p:extLst>
   </p:cSld>
@@ -755,7 +755,7 @@
           <p:cNvPr id="2" name="标题 1">
             <a:extLst>
               <a:ext uri="{FF2B5EF4-FFF2-40B4-BE49-F238E27FC236}">
-                <a16:creationId xmlns:a16="http://schemas.microsoft.com/office/drawing/2014/main" id="{5E4BE67E-2F55-D19A-CDB7-E269D96D6111}"/>
+                <a16:creationId xmlns:a16="http://schemas.microsoft.com/office/drawing/2014/main" id="{2E836DA7-2F4B-DFD4-D667-18C1BB542B14}"/>
               </a:ext>
             </a:extLst>
           </p:cNvPr>
@@ -783,7 +783,7 @@
           <p:cNvPr id="3" name="内容占位符 2">
             <a:extLst>
               <a:ext uri="{FF2B5EF4-FFF2-40B4-BE49-F238E27FC236}">
-                <a16:creationId xmlns:a16="http://schemas.microsoft.com/office/drawing/2014/main" id="{B6602F5A-1DF1-AC30-13DE-F705420A337E}"/>
+                <a16:creationId xmlns:a16="http://schemas.microsoft.com/office/drawing/2014/main" id="{4885AE6E-28A5-B4D8-1DE2-B7E34A00BEAF}"/>
               </a:ext>
             </a:extLst>
           </p:cNvPr>
@@ -840,7 +840,7 @@
           <p:cNvPr id="4" name="日期占位符 3">
             <a:extLst>
               <a:ext uri="{FF2B5EF4-FFF2-40B4-BE49-F238E27FC236}">
-                <a16:creationId xmlns:a16="http://schemas.microsoft.com/office/drawing/2014/main" id="{19FFD6B2-BDF0-4E0A-00B5-492237B54A1C}"/>
+                <a16:creationId xmlns:a16="http://schemas.microsoft.com/office/drawing/2014/main" id="{42BF8958-FB99-6B8D-161B-D3E070ADDF52}"/>
               </a:ext>
             </a:extLst>
           </p:cNvPr>
@@ -856,7 +856,7 @@
           <a:bodyPr/>
           <a:lstStyle/>
           <a:p>
-            <a:fld id="{E70EED37-09A6-409F-B072-F56DF64BF2C9}" type="datetimeFigureOut">
+            <a:fld id="{11BC4D63-A47F-46AF-9072-8D4F72B0E845}" type="datetimeFigureOut">
               <a:rPr lang="zh-CN" altLang="en-US" smtClean="0"/>
               <a:t>2024/3/10</a:t>
             </a:fld>
@@ -869,7 +869,7 @@
           <p:cNvPr id="5" name="页脚占位符 4">
             <a:extLst>
               <a:ext uri="{FF2B5EF4-FFF2-40B4-BE49-F238E27FC236}">
-                <a16:creationId xmlns:a16="http://schemas.microsoft.com/office/drawing/2014/main" id="{CD09E6EE-BFE5-79F0-851F-41E7CA0DAF0B}"/>
+                <a16:creationId xmlns:a16="http://schemas.microsoft.com/office/drawing/2014/main" id="{E92CBF74-A1AF-CBBC-B95E-EDC4BCD1C525}"/>
               </a:ext>
             </a:extLst>
           </p:cNvPr>
@@ -894,7 +894,7 @@
           <p:cNvPr id="6" name="灯片编号占位符 5">
             <a:extLst>
               <a:ext uri="{FF2B5EF4-FFF2-40B4-BE49-F238E27FC236}">
-                <a16:creationId xmlns:a16="http://schemas.microsoft.com/office/drawing/2014/main" id="{E6427D4F-FAA6-E60A-900F-A54985C2D69C}"/>
+                <a16:creationId xmlns:a16="http://schemas.microsoft.com/office/drawing/2014/main" id="{A6A93375-AC86-E24B-117E-09D2EEB4AE32}"/>
               </a:ext>
             </a:extLst>
           </p:cNvPr>
@@ -910,7 +910,7 @@
           <a:bodyPr/>
           <a:lstStyle/>
           <a:p>
-            <a:fld id="{06C31D3C-617B-434D-8DEA-F194C09ABF54}" type="slidenum">
+            <a:fld id="{310DBDC9-BAF7-44F7-8B65-C82235FB88B4}" type="slidenum">
               <a:rPr lang="zh-CN" altLang="en-US" smtClean="0"/>
               <a:t>‹#›</a:t>
             </a:fld>
@@ -921,7 +921,7 @@
     </p:spTree>
     <p:extLst>
       <p:ext uri="{BB962C8B-B14F-4D97-AF65-F5344CB8AC3E}">
-        <p14:creationId xmlns:p14="http://schemas.microsoft.com/office/powerpoint/2010/main" val="2847447982"/>
+        <p14:creationId xmlns:p14="http://schemas.microsoft.com/office/powerpoint/2010/main" val="3062215212"/>
       </p:ext>
     </p:extLst>
   </p:cSld>
@@ -953,7 +953,7 @@
           <p:cNvPr id="2" name="标题 1">
             <a:extLst>
               <a:ext uri="{FF2B5EF4-FFF2-40B4-BE49-F238E27FC236}">
-                <a16:creationId xmlns:a16="http://schemas.microsoft.com/office/drawing/2014/main" id="{7B7B7553-56D5-F312-D9E8-88E8CE0A75DF}"/>
+                <a16:creationId xmlns:a16="http://schemas.microsoft.com/office/drawing/2014/main" id="{9D873D3A-F8EA-B3A8-06DD-A31BC378BA2E}"/>
               </a:ext>
             </a:extLst>
           </p:cNvPr>
@@ -990,7 +990,7 @@
           <p:cNvPr id="3" name="文本占位符 2">
             <a:extLst>
               <a:ext uri="{FF2B5EF4-FFF2-40B4-BE49-F238E27FC236}">
-                <a16:creationId xmlns:a16="http://schemas.microsoft.com/office/drawing/2014/main" id="{673B39D0-5DBC-7867-DFFA-9C7BBD375F44}"/>
+                <a16:creationId xmlns:a16="http://schemas.microsoft.com/office/drawing/2014/main" id="{38FBF774-11AE-32DC-3EFA-6B943BC6A62B}"/>
               </a:ext>
             </a:extLst>
           </p:cNvPr>
@@ -1115,7 +1115,7 @@
           <p:cNvPr id="4" name="日期占位符 3">
             <a:extLst>
               <a:ext uri="{FF2B5EF4-FFF2-40B4-BE49-F238E27FC236}">
-                <a16:creationId xmlns:a16="http://schemas.microsoft.com/office/drawing/2014/main" id="{A2FEA517-436D-9B96-972E-B8A383738CAE}"/>
+                <a16:creationId xmlns:a16="http://schemas.microsoft.com/office/drawing/2014/main" id="{7BFE9339-F7B8-0721-ADC8-836FA4D2F5E9}"/>
               </a:ext>
             </a:extLst>
           </p:cNvPr>
@@ -1131,7 +1131,7 @@
           <a:bodyPr/>
           <a:lstStyle/>
           <a:p>
-            <a:fld id="{E70EED37-09A6-409F-B072-F56DF64BF2C9}" type="datetimeFigureOut">
+            <a:fld id="{11BC4D63-A47F-46AF-9072-8D4F72B0E845}" type="datetimeFigureOut">
               <a:rPr lang="zh-CN" altLang="en-US" smtClean="0"/>
               <a:t>2024/3/10</a:t>
             </a:fld>
@@ -1144,7 +1144,7 @@
           <p:cNvPr id="5" name="页脚占位符 4">
             <a:extLst>
               <a:ext uri="{FF2B5EF4-FFF2-40B4-BE49-F238E27FC236}">
-                <a16:creationId xmlns:a16="http://schemas.microsoft.com/office/drawing/2014/main" id="{DF025F8A-1938-9C22-2BE8-6313298A994D}"/>
+                <a16:creationId xmlns:a16="http://schemas.microsoft.com/office/drawing/2014/main" id="{DDC644DF-F77E-7F3C-3263-0E7433442E03}"/>
               </a:ext>
             </a:extLst>
           </p:cNvPr>
@@ -1169,7 +1169,7 @@
           <p:cNvPr id="6" name="灯片编号占位符 5">
             <a:extLst>
               <a:ext uri="{FF2B5EF4-FFF2-40B4-BE49-F238E27FC236}">
-                <a16:creationId xmlns:a16="http://schemas.microsoft.com/office/drawing/2014/main" id="{E1F06FA4-F289-0234-C322-167594D7A76A}"/>
+                <a16:creationId xmlns:a16="http://schemas.microsoft.com/office/drawing/2014/main" id="{BB65F38C-75F4-1A78-E8A0-717C5AB3186E}"/>
               </a:ext>
             </a:extLst>
           </p:cNvPr>
@@ -1185,7 +1185,7 @@
           <a:bodyPr/>
           <a:lstStyle/>
           <a:p>
-            <a:fld id="{06C31D3C-617B-434D-8DEA-F194C09ABF54}" type="slidenum">
+            <a:fld id="{310DBDC9-BAF7-44F7-8B65-C82235FB88B4}" type="slidenum">
               <a:rPr lang="zh-CN" altLang="en-US" smtClean="0"/>
               <a:t>‹#›</a:t>
             </a:fld>
@@ -1196,7 +1196,7 @@
     </p:spTree>
     <p:extLst>
       <p:ext uri="{BB962C8B-B14F-4D97-AF65-F5344CB8AC3E}">
-        <p14:creationId xmlns:p14="http://schemas.microsoft.com/office/powerpoint/2010/main" val="2020500616"/>
+        <p14:creationId xmlns:p14="http://schemas.microsoft.com/office/powerpoint/2010/main" val="2691308153"/>
       </p:ext>
     </p:extLst>
   </p:cSld>
@@ -1228,7 +1228,7 @@
           <p:cNvPr id="2" name="标题 1">
             <a:extLst>
               <a:ext uri="{FF2B5EF4-FFF2-40B4-BE49-F238E27FC236}">
-                <a16:creationId xmlns:a16="http://schemas.microsoft.com/office/drawing/2014/main" id="{D121AEAD-3DFF-D40C-A42D-44A8633001AB}"/>
+                <a16:creationId xmlns:a16="http://schemas.microsoft.com/office/drawing/2014/main" id="{C3AED195-5C3F-EDD2-F1DF-63A6219BBDF3}"/>
               </a:ext>
             </a:extLst>
           </p:cNvPr>
@@ -1256,7 +1256,7 @@
           <p:cNvPr id="3" name="内容占位符 2">
             <a:extLst>
               <a:ext uri="{FF2B5EF4-FFF2-40B4-BE49-F238E27FC236}">
-                <a16:creationId xmlns:a16="http://schemas.microsoft.com/office/drawing/2014/main" id="{88AA8863-9A73-508D-DC0B-EB324AD24082}"/>
+                <a16:creationId xmlns:a16="http://schemas.microsoft.com/office/drawing/2014/main" id="{87DA25C7-BCF4-9633-6618-14EC163751F7}"/>
               </a:ext>
             </a:extLst>
           </p:cNvPr>
@@ -1318,7 +1318,7 @@
           <p:cNvPr id="4" name="内容占位符 3">
             <a:extLst>
               <a:ext uri="{FF2B5EF4-FFF2-40B4-BE49-F238E27FC236}">
-                <a16:creationId xmlns:a16="http://schemas.microsoft.com/office/drawing/2014/main" id="{3775C22F-6D2B-7930-FCBE-44D00F360579}"/>
+                <a16:creationId xmlns:a16="http://schemas.microsoft.com/office/drawing/2014/main" id="{20D4A568-0DD0-FDDA-2843-ED3A6D5D0B8B}"/>
               </a:ext>
             </a:extLst>
           </p:cNvPr>
@@ -1380,7 +1380,7 @@
           <p:cNvPr id="5" name="日期占位符 4">
             <a:extLst>
               <a:ext uri="{FF2B5EF4-FFF2-40B4-BE49-F238E27FC236}">
-                <a16:creationId xmlns:a16="http://schemas.microsoft.com/office/drawing/2014/main" id="{D30E91CD-6E17-40CA-CC43-928AEB5D5C1A}"/>
+                <a16:creationId xmlns:a16="http://schemas.microsoft.com/office/drawing/2014/main" id="{B5B673CD-70DB-389A-97FE-AC9AD3FE95D1}"/>
               </a:ext>
             </a:extLst>
           </p:cNvPr>
@@ -1396,7 +1396,7 @@
           <a:bodyPr/>
           <a:lstStyle/>
           <a:p>
-            <a:fld id="{E70EED37-09A6-409F-B072-F56DF64BF2C9}" type="datetimeFigureOut">
+            <a:fld id="{11BC4D63-A47F-46AF-9072-8D4F72B0E845}" type="datetimeFigureOut">
               <a:rPr lang="zh-CN" altLang="en-US" smtClean="0"/>
               <a:t>2024/3/10</a:t>
             </a:fld>
@@ -1409,7 +1409,7 @@
           <p:cNvPr id="6" name="页脚占位符 5">
             <a:extLst>
               <a:ext uri="{FF2B5EF4-FFF2-40B4-BE49-F238E27FC236}">
-                <a16:creationId xmlns:a16="http://schemas.microsoft.com/office/drawing/2014/main" id="{A959C6EA-788F-5FBE-8D9C-827434CC0B82}"/>
+                <a16:creationId xmlns:a16="http://schemas.microsoft.com/office/drawing/2014/main" id="{0868B426-1D21-B1EB-E9F4-3AF2F1273FB8}"/>
               </a:ext>
             </a:extLst>
           </p:cNvPr>
@@ -1434,7 +1434,7 @@
           <p:cNvPr id="7" name="灯片编号占位符 6">
             <a:extLst>
               <a:ext uri="{FF2B5EF4-FFF2-40B4-BE49-F238E27FC236}">
-                <a16:creationId xmlns:a16="http://schemas.microsoft.com/office/drawing/2014/main" id="{8C7B3F22-0D44-87E1-275A-C71788857A8E}"/>
+                <a16:creationId xmlns:a16="http://schemas.microsoft.com/office/drawing/2014/main" id="{57C0AB53-9686-206D-A9C5-79F77F0401C7}"/>
               </a:ext>
             </a:extLst>
           </p:cNvPr>
@@ -1450,7 +1450,7 @@
           <a:bodyPr/>
           <a:lstStyle/>
           <a:p>
-            <a:fld id="{06C31D3C-617B-434D-8DEA-F194C09ABF54}" type="slidenum">
+            <a:fld id="{310DBDC9-BAF7-44F7-8B65-C82235FB88B4}" type="slidenum">
               <a:rPr lang="zh-CN" altLang="en-US" smtClean="0"/>
               <a:t>‹#›</a:t>
             </a:fld>
@@ -1461,7 +1461,7 @@
     </p:spTree>
     <p:extLst>
       <p:ext uri="{BB962C8B-B14F-4D97-AF65-F5344CB8AC3E}">
-        <p14:creationId xmlns:p14="http://schemas.microsoft.com/office/powerpoint/2010/main" val="1292819461"/>
+        <p14:creationId xmlns:p14="http://schemas.microsoft.com/office/powerpoint/2010/main" val="3036240129"/>
       </p:ext>
     </p:extLst>
   </p:cSld>
@@ -1493,7 +1493,7 @@
           <p:cNvPr id="2" name="标题 1">
             <a:extLst>
               <a:ext uri="{FF2B5EF4-FFF2-40B4-BE49-F238E27FC236}">
-                <a16:creationId xmlns:a16="http://schemas.microsoft.com/office/drawing/2014/main" id="{6924B542-2190-F239-0346-820E300A57C8}"/>
+                <a16:creationId xmlns:a16="http://schemas.microsoft.com/office/drawing/2014/main" id="{2BEEDD6D-F8B6-8B52-F25B-34548B20D06E}"/>
               </a:ext>
             </a:extLst>
           </p:cNvPr>
@@ -1526,7 +1526,7 @@
           <p:cNvPr id="3" name="文本占位符 2">
             <a:extLst>
               <a:ext uri="{FF2B5EF4-FFF2-40B4-BE49-F238E27FC236}">
-                <a16:creationId xmlns:a16="http://schemas.microsoft.com/office/drawing/2014/main" id="{5E2515CE-E211-3A1F-5E9A-09470783F47C}"/>
+                <a16:creationId xmlns:a16="http://schemas.microsoft.com/office/drawing/2014/main" id="{729B024D-7B31-358D-6D45-034511C117DB}"/>
               </a:ext>
             </a:extLst>
           </p:cNvPr>
@@ -1597,7 +1597,7 @@
           <p:cNvPr id="4" name="内容占位符 3">
             <a:extLst>
               <a:ext uri="{FF2B5EF4-FFF2-40B4-BE49-F238E27FC236}">
-                <a16:creationId xmlns:a16="http://schemas.microsoft.com/office/drawing/2014/main" id="{6B018C27-1974-41E1-CA97-B3E653F1A5E4}"/>
+                <a16:creationId xmlns:a16="http://schemas.microsoft.com/office/drawing/2014/main" id="{718C0170-7B8C-B251-8271-EC00A9ECCDF6}"/>
               </a:ext>
             </a:extLst>
           </p:cNvPr>
@@ -1659,7 +1659,7 @@
           <p:cNvPr id="5" name="文本占位符 4">
             <a:extLst>
               <a:ext uri="{FF2B5EF4-FFF2-40B4-BE49-F238E27FC236}">
-                <a16:creationId xmlns:a16="http://schemas.microsoft.com/office/drawing/2014/main" id="{0E30D59C-6164-BC71-4CFE-1AED2225E563}"/>
+                <a16:creationId xmlns:a16="http://schemas.microsoft.com/office/drawing/2014/main" id="{9BE9009F-221C-8652-580A-DC8F3264E786}"/>
               </a:ext>
             </a:extLst>
           </p:cNvPr>
@@ -1730,7 +1730,7 @@
           <p:cNvPr id="6" name="内容占位符 5">
             <a:extLst>
               <a:ext uri="{FF2B5EF4-FFF2-40B4-BE49-F238E27FC236}">
-                <a16:creationId xmlns:a16="http://schemas.microsoft.com/office/drawing/2014/main" id="{07635A38-C40F-4EB5-9E43-71962EF91C7C}"/>
+                <a16:creationId xmlns:a16="http://schemas.microsoft.com/office/drawing/2014/main" id="{6A4A023C-677D-909D-9D9C-AAD1762EE9D6}"/>
               </a:ext>
             </a:extLst>
           </p:cNvPr>
@@ -1792,7 +1792,7 @@
           <p:cNvPr id="7" name="日期占位符 6">
             <a:extLst>
               <a:ext uri="{FF2B5EF4-FFF2-40B4-BE49-F238E27FC236}">
-                <a16:creationId xmlns:a16="http://schemas.microsoft.com/office/drawing/2014/main" id="{0524CA2D-118B-3FD4-46C2-AF9BC69F1B8E}"/>
+                <a16:creationId xmlns:a16="http://schemas.microsoft.com/office/drawing/2014/main" id="{6511D079-6F76-8E3E-2279-0F1B903B3607}"/>
               </a:ext>
             </a:extLst>
           </p:cNvPr>
@@ -1808,7 +1808,7 @@
           <a:bodyPr/>
           <a:lstStyle/>
           <a:p>
-            <a:fld id="{E70EED37-09A6-409F-B072-F56DF64BF2C9}" type="datetimeFigureOut">
+            <a:fld id="{11BC4D63-A47F-46AF-9072-8D4F72B0E845}" type="datetimeFigureOut">
               <a:rPr lang="zh-CN" altLang="en-US" smtClean="0"/>
               <a:t>2024/3/10</a:t>
             </a:fld>
@@ -1821,7 +1821,7 @@
           <p:cNvPr id="8" name="页脚占位符 7">
             <a:extLst>
               <a:ext uri="{FF2B5EF4-FFF2-40B4-BE49-F238E27FC236}">
-                <a16:creationId xmlns:a16="http://schemas.microsoft.com/office/drawing/2014/main" id="{C3A4BD8F-F89C-D389-AAD3-6B6787546A91}"/>
+                <a16:creationId xmlns:a16="http://schemas.microsoft.com/office/drawing/2014/main" id="{41040A23-DE56-18D6-DF6F-E146346FFFA7}"/>
               </a:ext>
             </a:extLst>
           </p:cNvPr>
@@ -1846,7 +1846,7 @@
           <p:cNvPr id="9" name="灯片编号占位符 8">
             <a:extLst>
               <a:ext uri="{FF2B5EF4-FFF2-40B4-BE49-F238E27FC236}">
-                <a16:creationId xmlns:a16="http://schemas.microsoft.com/office/drawing/2014/main" id="{7D3959D2-F61A-F1EF-D25A-731B7C00E3A6}"/>
+                <a16:creationId xmlns:a16="http://schemas.microsoft.com/office/drawing/2014/main" id="{D5BA9F75-4755-F7C6-A0F1-6A101F61866C}"/>
               </a:ext>
             </a:extLst>
           </p:cNvPr>
@@ -1862,7 +1862,7 @@
           <a:bodyPr/>
           <a:lstStyle/>
           <a:p>
-            <a:fld id="{06C31D3C-617B-434D-8DEA-F194C09ABF54}" type="slidenum">
+            <a:fld id="{310DBDC9-BAF7-44F7-8B65-C82235FB88B4}" type="slidenum">
               <a:rPr lang="zh-CN" altLang="en-US" smtClean="0"/>
               <a:t>‹#›</a:t>
             </a:fld>
@@ -1873,7 +1873,7 @@
     </p:spTree>
     <p:extLst>
       <p:ext uri="{BB962C8B-B14F-4D97-AF65-F5344CB8AC3E}">
-        <p14:creationId xmlns:p14="http://schemas.microsoft.com/office/powerpoint/2010/main" val="155905098"/>
+        <p14:creationId xmlns:p14="http://schemas.microsoft.com/office/powerpoint/2010/main" val="3023548414"/>
       </p:ext>
     </p:extLst>
   </p:cSld>
@@ -1905,7 +1905,7 @@
           <p:cNvPr id="2" name="标题 1">
             <a:extLst>
               <a:ext uri="{FF2B5EF4-FFF2-40B4-BE49-F238E27FC236}">
-                <a16:creationId xmlns:a16="http://schemas.microsoft.com/office/drawing/2014/main" id="{D3F00B9B-7A1A-6480-403B-4FD75198FCBF}"/>
+                <a16:creationId xmlns:a16="http://schemas.microsoft.com/office/drawing/2014/main" id="{BE6D3397-405C-63BC-CE07-2E7784DE7119}"/>
               </a:ext>
             </a:extLst>
           </p:cNvPr>
@@ -1933,7 +1933,7 @@
           <p:cNvPr id="3" name="日期占位符 2">
             <a:extLst>
               <a:ext uri="{FF2B5EF4-FFF2-40B4-BE49-F238E27FC236}">
-                <a16:creationId xmlns:a16="http://schemas.microsoft.com/office/drawing/2014/main" id="{CA14E14C-549F-3BB7-8246-CBC38DED3771}"/>
+                <a16:creationId xmlns:a16="http://schemas.microsoft.com/office/drawing/2014/main" id="{9570C75D-AB8C-CF8B-3426-DF0A21EF484F}"/>
               </a:ext>
             </a:extLst>
           </p:cNvPr>
@@ -1949,7 +1949,7 @@
           <a:bodyPr/>
           <a:lstStyle/>
           <a:p>
-            <a:fld id="{E70EED37-09A6-409F-B072-F56DF64BF2C9}" type="datetimeFigureOut">
+            <a:fld id="{11BC4D63-A47F-46AF-9072-8D4F72B0E845}" type="datetimeFigureOut">
               <a:rPr lang="zh-CN" altLang="en-US" smtClean="0"/>
               <a:t>2024/3/10</a:t>
             </a:fld>
@@ -1962,7 +1962,7 @@
           <p:cNvPr id="4" name="页脚占位符 3">
             <a:extLst>
               <a:ext uri="{FF2B5EF4-FFF2-40B4-BE49-F238E27FC236}">
-                <a16:creationId xmlns:a16="http://schemas.microsoft.com/office/drawing/2014/main" id="{3399195A-BAE3-5663-7F5E-4012F3B475EE}"/>
+                <a16:creationId xmlns:a16="http://schemas.microsoft.com/office/drawing/2014/main" id="{BD1D40E8-20BD-4EEC-A264-A61E43B68905}"/>
               </a:ext>
             </a:extLst>
           </p:cNvPr>
@@ -1987,7 +1987,7 @@
           <p:cNvPr id="5" name="灯片编号占位符 4">
             <a:extLst>
               <a:ext uri="{FF2B5EF4-FFF2-40B4-BE49-F238E27FC236}">
-                <a16:creationId xmlns:a16="http://schemas.microsoft.com/office/drawing/2014/main" id="{89C850B3-9D57-E152-ECE0-AE46F8A59398}"/>
+                <a16:creationId xmlns:a16="http://schemas.microsoft.com/office/drawing/2014/main" id="{FC838EE7-A9A0-A8A0-32F7-1013E8AB6C17}"/>
               </a:ext>
             </a:extLst>
           </p:cNvPr>
@@ -2003,7 +2003,7 @@
           <a:bodyPr/>
           <a:lstStyle/>
           <a:p>
-            <a:fld id="{06C31D3C-617B-434D-8DEA-F194C09ABF54}" type="slidenum">
+            <a:fld id="{310DBDC9-BAF7-44F7-8B65-C82235FB88B4}" type="slidenum">
               <a:rPr lang="zh-CN" altLang="en-US" smtClean="0"/>
               <a:t>‹#›</a:t>
             </a:fld>
@@ -2014,7 +2014,7 @@
     </p:spTree>
     <p:extLst>
       <p:ext uri="{BB962C8B-B14F-4D97-AF65-F5344CB8AC3E}">
-        <p14:creationId xmlns:p14="http://schemas.microsoft.com/office/powerpoint/2010/main" val="3248688810"/>
+        <p14:creationId xmlns:p14="http://schemas.microsoft.com/office/powerpoint/2010/main" val="28239226"/>
       </p:ext>
     </p:extLst>
   </p:cSld>
@@ -2046,7 +2046,7 @@
           <p:cNvPr id="2" name="日期占位符 1">
             <a:extLst>
               <a:ext uri="{FF2B5EF4-FFF2-40B4-BE49-F238E27FC236}">
-                <a16:creationId xmlns:a16="http://schemas.microsoft.com/office/drawing/2014/main" id="{E79C69F4-EC30-D5AF-4C22-C672E0D2401E}"/>
+                <a16:creationId xmlns:a16="http://schemas.microsoft.com/office/drawing/2014/main" id="{AE1CEE01-08EE-47D7-1E61-5DA8B8A9BCE7}"/>
               </a:ext>
             </a:extLst>
           </p:cNvPr>
@@ -2062,7 +2062,7 @@
           <a:bodyPr/>
           <a:lstStyle/>
           <a:p>
-            <a:fld id="{E70EED37-09A6-409F-B072-F56DF64BF2C9}" type="datetimeFigureOut">
+            <a:fld id="{11BC4D63-A47F-46AF-9072-8D4F72B0E845}" type="datetimeFigureOut">
               <a:rPr lang="zh-CN" altLang="en-US" smtClean="0"/>
               <a:t>2024/3/10</a:t>
             </a:fld>
@@ -2075,7 +2075,7 @@
           <p:cNvPr id="3" name="页脚占位符 2">
             <a:extLst>
               <a:ext uri="{FF2B5EF4-FFF2-40B4-BE49-F238E27FC236}">
-                <a16:creationId xmlns:a16="http://schemas.microsoft.com/office/drawing/2014/main" id="{10806679-24D8-7D85-C925-390EB84099EA}"/>
+                <a16:creationId xmlns:a16="http://schemas.microsoft.com/office/drawing/2014/main" id="{1E56BF22-415D-E8BD-D5FC-30C71A2BFE9C}"/>
               </a:ext>
             </a:extLst>
           </p:cNvPr>
@@ -2100,7 +2100,7 @@
           <p:cNvPr id="4" name="灯片编号占位符 3">
             <a:extLst>
               <a:ext uri="{FF2B5EF4-FFF2-40B4-BE49-F238E27FC236}">
-                <a16:creationId xmlns:a16="http://schemas.microsoft.com/office/drawing/2014/main" id="{3E08BA46-73D0-4589-2E86-B04F9D047218}"/>
+                <a16:creationId xmlns:a16="http://schemas.microsoft.com/office/drawing/2014/main" id="{F6A892FF-9085-7037-5BDE-2391C414B634}"/>
               </a:ext>
             </a:extLst>
           </p:cNvPr>
@@ -2116,7 +2116,7 @@
           <a:bodyPr/>
           <a:lstStyle/>
           <a:p>
-            <a:fld id="{06C31D3C-617B-434D-8DEA-F194C09ABF54}" type="slidenum">
+            <a:fld id="{310DBDC9-BAF7-44F7-8B65-C82235FB88B4}" type="slidenum">
               <a:rPr lang="zh-CN" altLang="en-US" smtClean="0"/>
               <a:t>‹#›</a:t>
             </a:fld>
@@ -2127,7 +2127,7 @@
     </p:spTree>
     <p:extLst>
       <p:ext uri="{BB962C8B-B14F-4D97-AF65-F5344CB8AC3E}">
-        <p14:creationId xmlns:p14="http://schemas.microsoft.com/office/powerpoint/2010/main" val="2299761460"/>
+        <p14:creationId xmlns:p14="http://schemas.microsoft.com/office/powerpoint/2010/main" val="398324588"/>
       </p:ext>
     </p:extLst>
   </p:cSld>
@@ -2159,7 +2159,7 @@
           <p:cNvPr id="2" name="标题 1">
             <a:extLst>
               <a:ext uri="{FF2B5EF4-FFF2-40B4-BE49-F238E27FC236}">
-                <a16:creationId xmlns:a16="http://schemas.microsoft.com/office/drawing/2014/main" id="{558DC22B-E3EA-6CBA-BB07-BEC30A43F85A}"/>
+                <a16:creationId xmlns:a16="http://schemas.microsoft.com/office/drawing/2014/main" id="{D6C06328-DCA5-D0CC-3F7B-27333C7413BF}"/>
               </a:ext>
             </a:extLst>
           </p:cNvPr>
@@ -2196,7 +2196,7 @@
           <p:cNvPr id="3" name="内容占位符 2">
             <a:extLst>
               <a:ext uri="{FF2B5EF4-FFF2-40B4-BE49-F238E27FC236}">
-                <a16:creationId xmlns:a16="http://schemas.microsoft.com/office/drawing/2014/main" id="{071A8366-832A-EA20-8E11-AA49FEF25318}"/>
+                <a16:creationId xmlns:a16="http://schemas.microsoft.com/office/drawing/2014/main" id="{1F9D054C-3384-98E8-D8C1-D15CE78898F2}"/>
               </a:ext>
             </a:extLst>
           </p:cNvPr>
@@ -2286,7 +2286,7 @@
           <p:cNvPr id="4" name="文本占位符 3">
             <a:extLst>
               <a:ext uri="{FF2B5EF4-FFF2-40B4-BE49-F238E27FC236}">
-                <a16:creationId xmlns:a16="http://schemas.microsoft.com/office/drawing/2014/main" id="{404FF2DD-2796-471B-616F-6A109B7E3FBB}"/>
+                <a16:creationId xmlns:a16="http://schemas.microsoft.com/office/drawing/2014/main" id="{8E1CAAFE-41A9-0F6F-7F37-97ED657B9C1B}"/>
               </a:ext>
             </a:extLst>
           </p:cNvPr>
@@ -2357,7 +2357,7 @@
           <p:cNvPr id="5" name="日期占位符 4">
             <a:extLst>
               <a:ext uri="{FF2B5EF4-FFF2-40B4-BE49-F238E27FC236}">
-                <a16:creationId xmlns:a16="http://schemas.microsoft.com/office/drawing/2014/main" id="{E0950805-220D-5B85-C794-29B412A7A8BF}"/>
+                <a16:creationId xmlns:a16="http://schemas.microsoft.com/office/drawing/2014/main" id="{3AE442B3-9834-8D90-0293-3F5561891B2D}"/>
               </a:ext>
             </a:extLst>
           </p:cNvPr>
@@ -2373,7 +2373,7 @@
           <a:bodyPr/>
           <a:lstStyle/>
           <a:p>
-            <a:fld id="{E70EED37-09A6-409F-B072-F56DF64BF2C9}" type="datetimeFigureOut">
+            <a:fld id="{11BC4D63-A47F-46AF-9072-8D4F72B0E845}" type="datetimeFigureOut">
               <a:rPr lang="zh-CN" altLang="en-US" smtClean="0"/>
               <a:t>2024/3/10</a:t>
             </a:fld>
@@ -2386,7 +2386,7 @@
           <p:cNvPr id="6" name="页脚占位符 5">
             <a:extLst>
               <a:ext uri="{FF2B5EF4-FFF2-40B4-BE49-F238E27FC236}">
-                <a16:creationId xmlns:a16="http://schemas.microsoft.com/office/drawing/2014/main" id="{DE83516B-5C1A-5954-706E-593ADFB47CF0}"/>
+                <a16:creationId xmlns:a16="http://schemas.microsoft.com/office/drawing/2014/main" id="{331F6B30-A92C-77D6-DAEB-7048186809F4}"/>
               </a:ext>
             </a:extLst>
           </p:cNvPr>
@@ -2411,7 +2411,7 @@
           <p:cNvPr id="7" name="灯片编号占位符 6">
             <a:extLst>
               <a:ext uri="{FF2B5EF4-FFF2-40B4-BE49-F238E27FC236}">
-                <a16:creationId xmlns:a16="http://schemas.microsoft.com/office/drawing/2014/main" id="{61CBEA39-5B96-7370-F07C-897EB43736F4}"/>
+                <a16:creationId xmlns:a16="http://schemas.microsoft.com/office/drawing/2014/main" id="{8BB83E26-95AF-C166-1B81-C39A7C247FF1}"/>
               </a:ext>
             </a:extLst>
           </p:cNvPr>
@@ -2427,7 +2427,7 @@
           <a:bodyPr/>
           <a:lstStyle/>
           <a:p>
-            <a:fld id="{06C31D3C-617B-434D-8DEA-F194C09ABF54}" type="slidenum">
+            <a:fld id="{310DBDC9-BAF7-44F7-8B65-C82235FB88B4}" type="slidenum">
               <a:rPr lang="zh-CN" altLang="en-US" smtClean="0"/>
               <a:t>‹#›</a:t>
             </a:fld>
@@ -2438,7 +2438,7 @@
     </p:spTree>
     <p:extLst>
       <p:ext uri="{BB962C8B-B14F-4D97-AF65-F5344CB8AC3E}">
-        <p14:creationId xmlns:p14="http://schemas.microsoft.com/office/powerpoint/2010/main" val="997471194"/>
+        <p14:creationId xmlns:p14="http://schemas.microsoft.com/office/powerpoint/2010/main" val="1605458650"/>
       </p:ext>
     </p:extLst>
   </p:cSld>
@@ -2470,7 +2470,7 @@
           <p:cNvPr id="2" name="标题 1">
             <a:extLst>
               <a:ext uri="{FF2B5EF4-FFF2-40B4-BE49-F238E27FC236}">
-                <a16:creationId xmlns:a16="http://schemas.microsoft.com/office/drawing/2014/main" id="{FDD51612-DAA5-EA70-038E-4754DF81B563}"/>
+                <a16:creationId xmlns:a16="http://schemas.microsoft.com/office/drawing/2014/main" id="{DD375C45-1547-F3D7-15A4-D7512E38E438}"/>
               </a:ext>
             </a:extLst>
           </p:cNvPr>
@@ -2507,7 +2507,7 @@
           <p:cNvPr id="3" name="图片占位符 2">
             <a:extLst>
               <a:ext uri="{FF2B5EF4-FFF2-40B4-BE49-F238E27FC236}">
-                <a16:creationId xmlns:a16="http://schemas.microsoft.com/office/drawing/2014/main" id="{4C52B4C9-2688-6DC0-1189-01832D767E73}"/>
+                <a16:creationId xmlns:a16="http://schemas.microsoft.com/office/drawing/2014/main" id="{8A334465-017C-5B3D-4CB3-1DC3EE821CBB}"/>
               </a:ext>
             </a:extLst>
           </p:cNvPr>
@@ -2574,7 +2574,7 @@
           <p:cNvPr id="4" name="文本占位符 3">
             <a:extLst>
               <a:ext uri="{FF2B5EF4-FFF2-40B4-BE49-F238E27FC236}">
-                <a16:creationId xmlns:a16="http://schemas.microsoft.com/office/drawing/2014/main" id="{B882C6B5-BE46-BDE8-13DF-26DD298CA39D}"/>
+                <a16:creationId xmlns:a16="http://schemas.microsoft.com/office/drawing/2014/main" id="{9C63C036-14A4-8F9C-3BA4-CD85AA36615B}"/>
               </a:ext>
             </a:extLst>
           </p:cNvPr>
@@ -2645,7 +2645,7 @@
           <p:cNvPr id="5" name="日期占位符 4">
             <a:extLst>
               <a:ext uri="{FF2B5EF4-FFF2-40B4-BE49-F238E27FC236}">
-                <a16:creationId xmlns:a16="http://schemas.microsoft.com/office/drawing/2014/main" id="{BFFD86A9-CCEC-C83F-36EC-04FFBC4059AE}"/>
+                <a16:creationId xmlns:a16="http://schemas.microsoft.com/office/drawing/2014/main" id="{423FE99E-793A-4A4E-5780-10A8987871E4}"/>
               </a:ext>
             </a:extLst>
           </p:cNvPr>
@@ -2661,7 +2661,7 @@
           <a:bodyPr/>
           <a:lstStyle/>
           <a:p>
-            <a:fld id="{E70EED37-09A6-409F-B072-F56DF64BF2C9}" type="datetimeFigureOut">
+            <a:fld id="{11BC4D63-A47F-46AF-9072-8D4F72B0E845}" type="datetimeFigureOut">
               <a:rPr lang="zh-CN" altLang="en-US" smtClean="0"/>
               <a:t>2024/3/10</a:t>
             </a:fld>
@@ -2674,7 +2674,7 @@
           <p:cNvPr id="6" name="页脚占位符 5">
             <a:extLst>
               <a:ext uri="{FF2B5EF4-FFF2-40B4-BE49-F238E27FC236}">
-                <a16:creationId xmlns:a16="http://schemas.microsoft.com/office/drawing/2014/main" id="{48034F95-6292-5B25-87B1-3D6A7D3B3FAE}"/>
+                <a16:creationId xmlns:a16="http://schemas.microsoft.com/office/drawing/2014/main" id="{82707ABA-F916-2A1C-6674-6D9EB0A03951}"/>
               </a:ext>
             </a:extLst>
           </p:cNvPr>
@@ -2699,7 +2699,7 @@
           <p:cNvPr id="7" name="灯片编号占位符 6">
             <a:extLst>
               <a:ext uri="{FF2B5EF4-FFF2-40B4-BE49-F238E27FC236}">
-                <a16:creationId xmlns:a16="http://schemas.microsoft.com/office/drawing/2014/main" id="{19C4E543-82C3-ADCD-6D6E-B9B34F1EE141}"/>
+                <a16:creationId xmlns:a16="http://schemas.microsoft.com/office/drawing/2014/main" id="{9C822917-203C-AA8C-24C0-557A811CD8EC}"/>
               </a:ext>
             </a:extLst>
           </p:cNvPr>
@@ -2715,7 +2715,7 @@
           <a:bodyPr/>
           <a:lstStyle/>
           <a:p>
-            <a:fld id="{06C31D3C-617B-434D-8DEA-F194C09ABF54}" type="slidenum">
+            <a:fld id="{310DBDC9-BAF7-44F7-8B65-C82235FB88B4}" type="slidenum">
               <a:rPr lang="zh-CN" altLang="en-US" smtClean="0"/>
               <a:t>‹#›</a:t>
             </a:fld>
@@ -2726,7 +2726,7 @@
     </p:spTree>
     <p:extLst>
       <p:ext uri="{BB962C8B-B14F-4D97-AF65-F5344CB8AC3E}">
-        <p14:creationId xmlns:p14="http://schemas.microsoft.com/office/powerpoint/2010/main" val="1711074973"/>
+        <p14:creationId xmlns:p14="http://schemas.microsoft.com/office/powerpoint/2010/main" val="2892051087"/>
       </p:ext>
     </p:extLst>
   </p:cSld>
@@ -2763,7 +2763,7 @@
           <p:cNvPr id="2" name="标题占位符 1">
             <a:extLst>
               <a:ext uri="{FF2B5EF4-FFF2-40B4-BE49-F238E27FC236}">
-                <a16:creationId xmlns:a16="http://schemas.microsoft.com/office/drawing/2014/main" id="{CABBAE72-AD74-8261-F47C-437D4760F318}"/>
+                <a16:creationId xmlns:a16="http://schemas.microsoft.com/office/drawing/2014/main" id="{0D4FD249-2EED-D166-97DC-3AA0F5B541F9}"/>
               </a:ext>
             </a:extLst>
           </p:cNvPr>
@@ -2801,7 +2801,7 @@
           <p:cNvPr id="3" name="文本占位符 2">
             <a:extLst>
               <a:ext uri="{FF2B5EF4-FFF2-40B4-BE49-F238E27FC236}">
-                <a16:creationId xmlns:a16="http://schemas.microsoft.com/office/drawing/2014/main" id="{47F4A31C-3E4D-0FC0-83B6-5E97806AC278}"/>
+                <a16:creationId xmlns:a16="http://schemas.microsoft.com/office/drawing/2014/main" id="{77027ACE-A6FB-5F4E-5A8D-C8F9BD5827E9}"/>
               </a:ext>
             </a:extLst>
           </p:cNvPr>
@@ -2868,7 +2868,7 @@
           <p:cNvPr id="4" name="日期占位符 3">
             <a:extLst>
               <a:ext uri="{FF2B5EF4-FFF2-40B4-BE49-F238E27FC236}">
-                <a16:creationId xmlns:a16="http://schemas.microsoft.com/office/drawing/2014/main" id="{0EF9C0DA-3FEE-6BEC-A665-55D4CEDE60FA}"/>
+                <a16:creationId xmlns:a16="http://schemas.microsoft.com/office/drawing/2014/main" id="{CAAFCF15-E507-B290-087A-A80CA74E47DF}"/>
               </a:ext>
             </a:extLst>
           </p:cNvPr>
@@ -2902,7 +2902,7 @@
             </a:lvl1pPr>
           </a:lstStyle>
           <a:p>
-            <a:fld id="{E70EED37-09A6-409F-B072-F56DF64BF2C9}" type="datetimeFigureOut">
+            <a:fld id="{11BC4D63-A47F-46AF-9072-8D4F72B0E845}" type="datetimeFigureOut">
               <a:rPr lang="zh-CN" altLang="en-US" smtClean="0"/>
               <a:t>2024/3/10</a:t>
             </a:fld>
@@ -2915,7 +2915,7 @@
           <p:cNvPr id="5" name="页脚占位符 4">
             <a:extLst>
               <a:ext uri="{FF2B5EF4-FFF2-40B4-BE49-F238E27FC236}">
-                <a16:creationId xmlns:a16="http://schemas.microsoft.com/office/drawing/2014/main" id="{D3FA55A4-C437-0691-61A0-40DE1A86208E}"/>
+                <a16:creationId xmlns:a16="http://schemas.microsoft.com/office/drawing/2014/main" id="{2AF6113D-AEF6-9E35-5225-B6AA121AA637}"/>
               </a:ext>
             </a:extLst>
           </p:cNvPr>
@@ -2958,7 +2958,7 @@
           <p:cNvPr id="6" name="灯片编号占位符 5">
             <a:extLst>
               <a:ext uri="{FF2B5EF4-FFF2-40B4-BE49-F238E27FC236}">
-                <a16:creationId xmlns:a16="http://schemas.microsoft.com/office/drawing/2014/main" id="{A3DFA853-E4C1-201E-9240-3C9DBEB7CAEE}"/>
+                <a16:creationId xmlns:a16="http://schemas.microsoft.com/office/drawing/2014/main" id="{2CAB45FE-06AD-E88C-C3F3-7CD9E245A318}"/>
               </a:ext>
             </a:extLst>
           </p:cNvPr>
@@ -2992,7 +2992,7 @@
             </a:lvl1pPr>
           </a:lstStyle>
           <a:p>
-            <a:fld id="{06C31D3C-617B-434D-8DEA-F194C09ABF54}" type="slidenum">
+            <a:fld id="{310DBDC9-BAF7-44F7-8B65-C82235FB88B4}" type="slidenum">
               <a:rPr lang="zh-CN" altLang="en-US" smtClean="0"/>
               <a:t>‹#›</a:t>
             </a:fld>
@@ -3003,7 +3003,7 @@
     </p:spTree>
     <p:extLst>
       <p:ext uri="{BB962C8B-B14F-4D97-AF65-F5344CB8AC3E}">
-        <p14:creationId xmlns:p14="http://schemas.microsoft.com/office/powerpoint/2010/main" val="1895266726"/>
+        <p14:creationId xmlns:p14="http://schemas.microsoft.com/office/powerpoint/2010/main" val="3218127013"/>
       </p:ext>
     </p:extLst>
   </p:cSld>
